--- a/week-04_ba/day-5/Első szponzor - week_4.pptx
+++ b/week-04_ba/day-5/Első szponzor - week_4.pptx
@@ -308,7 +308,7 @@
           <a:p>
             <a:fld id="{9DF4919B-4047-4DB1-8B39-23A42AEBA556}" type="datetimeFigureOut">
               <a:rPr lang="hu-HU" smtClean="0"/>
-              <a:t>2017.06.09.</a:t>
+              <a:t>2017.06.14.</a:t>
             </a:fld>
             <a:endParaRPr lang="hu-HU"/>
           </a:p>
@@ -478,7 +478,7 @@
           <a:p>
             <a:fld id="{9DF4919B-4047-4DB1-8B39-23A42AEBA556}" type="datetimeFigureOut">
               <a:rPr lang="hu-HU" smtClean="0"/>
-              <a:t>2017.06.09.</a:t>
+              <a:t>2017.06.14.</a:t>
             </a:fld>
             <a:endParaRPr lang="hu-HU"/>
           </a:p>
@@ -658,7 +658,7 @@
           <a:p>
             <a:fld id="{9DF4919B-4047-4DB1-8B39-23A42AEBA556}" type="datetimeFigureOut">
               <a:rPr lang="hu-HU" smtClean="0"/>
-              <a:t>2017.06.09.</a:t>
+              <a:t>2017.06.14.</a:t>
             </a:fld>
             <a:endParaRPr lang="hu-HU"/>
           </a:p>
@@ -828,7 +828,7 @@
           <a:p>
             <a:fld id="{9DF4919B-4047-4DB1-8B39-23A42AEBA556}" type="datetimeFigureOut">
               <a:rPr lang="hu-HU" smtClean="0"/>
-              <a:t>2017.06.09.</a:t>
+              <a:t>2017.06.14.</a:t>
             </a:fld>
             <a:endParaRPr lang="hu-HU"/>
           </a:p>
@@ -1074,7 +1074,7 @@
           <a:p>
             <a:fld id="{9DF4919B-4047-4DB1-8B39-23A42AEBA556}" type="datetimeFigureOut">
               <a:rPr lang="hu-HU" smtClean="0"/>
-              <a:t>2017.06.09.</a:t>
+              <a:t>2017.06.14.</a:t>
             </a:fld>
             <a:endParaRPr lang="hu-HU"/>
           </a:p>
@@ -1362,7 +1362,7 @@
           <a:p>
             <a:fld id="{9DF4919B-4047-4DB1-8B39-23A42AEBA556}" type="datetimeFigureOut">
               <a:rPr lang="hu-HU" smtClean="0"/>
-              <a:t>2017.06.09.</a:t>
+              <a:t>2017.06.14.</a:t>
             </a:fld>
             <a:endParaRPr lang="hu-HU"/>
           </a:p>
@@ -1784,7 +1784,7 @@
           <a:p>
             <a:fld id="{9DF4919B-4047-4DB1-8B39-23A42AEBA556}" type="datetimeFigureOut">
               <a:rPr lang="hu-HU" smtClean="0"/>
-              <a:t>2017.06.09.</a:t>
+              <a:t>2017.06.14.</a:t>
             </a:fld>
             <a:endParaRPr lang="hu-HU"/>
           </a:p>
@@ -1902,7 +1902,7 @@
           <a:p>
             <a:fld id="{9DF4919B-4047-4DB1-8B39-23A42AEBA556}" type="datetimeFigureOut">
               <a:rPr lang="hu-HU" smtClean="0"/>
-              <a:t>2017.06.09.</a:t>
+              <a:t>2017.06.14.</a:t>
             </a:fld>
             <a:endParaRPr lang="hu-HU"/>
           </a:p>
@@ -1997,7 +1997,7 @@
           <a:p>
             <a:fld id="{9DF4919B-4047-4DB1-8B39-23A42AEBA556}" type="datetimeFigureOut">
               <a:rPr lang="hu-HU" smtClean="0"/>
-              <a:t>2017.06.09.</a:t>
+              <a:t>2017.06.14.</a:t>
             </a:fld>
             <a:endParaRPr lang="hu-HU"/>
           </a:p>
@@ -2274,7 +2274,7 @@
           <a:p>
             <a:fld id="{9DF4919B-4047-4DB1-8B39-23A42AEBA556}" type="datetimeFigureOut">
               <a:rPr lang="hu-HU" smtClean="0"/>
-              <a:t>2017.06.09.</a:t>
+              <a:t>2017.06.14.</a:t>
             </a:fld>
             <a:endParaRPr lang="hu-HU"/>
           </a:p>
@@ -2527,7 +2527,7 @@
           <a:p>
             <a:fld id="{9DF4919B-4047-4DB1-8B39-23A42AEBA556}" type="datetimeFigureOut">
               <a:rPr lang="hu-HU" smtClean="0"/>
-              <a:t>2017.06.09.</a:t>
+              <a:t>2017.06.14.</a:t>
             </a:fld>
             <a:endParaRPr lang="hu-HU"/>
           </a:p>
@@ -2746,7 +2746,7 @@
           <a:p>
             <a:fld id="{9DF4919B-4047-4DB1-8B39-23A42AEBA556}" type="datetimeFigureOut">
               <a:rPr lang="hu-HU" smtClean="0"/>
-              <a:t>2017.06.09.</a:t>
+              <a:t>2017.06.14.</a:t>
             </a:fld>
             <a:endParaRPr lang="hu-HU"/>
           </a:p>
@@ -4152,7 +4152,7 @@
         </p:blipFill>
         <p:spPr>
           <a:xfrm>
-            <a:off x="5580112" y="2197968"/>
+            <a:off x="5580112" y="2852936"/>
             <a:ext cx="1807096" cy="1807096"/>
           </a:xfrm>
           <a:prstGeom prst="rect">
@@ -4182,7 +4182,7 @@
         </p:blipFill>
         <p:spPr>
           <a:xfrm>
-            <a:off x="1547664" y="2031536"/>
+            <a:off x="1331640" y="2751616"/>
             <a:ext cx="2163232" cy="2261560"/>
           </a:xfrm>
           <a:prstGeom prst="rect">
@@ -4190,6 +4190,34 @@
           </a:prstGeom>
         </p:spPr>
       </p:pic>
+      <p:sp>
+        <p:nvSpPr>
+          <p:cNvPr id="4" name="Cím 1"/>
+          <p:cNvSpPr>
+            <a:spLocks noGrp="1"/>
+          </p:cNvSpPr>
+          <p:nvPr>
+            <p:ph type="title"/>
+          </p:nvPr>
+        </p:nvSpPr>
+        <p:spPr>
+          <a:xfrm>
+            <a:off x="2483768" y="986805"/>
+            <a:ext cx="4713783" cy="1362075"/>
+          </a:xfrm>
+        </p:spPr>
+        <p:txBody>
+          <a:bodyPr/>
+          <a:lstStyle/>
+          <a:p>
+            <a:r>
+              <a:rPr lang="hu-HU" dirty="0" smtClean="0"/>
+              <a:t>Az én Sinus-ohm</a:t>
+            </a:r>
+            <a:endParaRPr lang="hu-HU" dirty="0"/>
+          </a:p>
+        </p:txBody>
+      </p:sp>
     </p:spTree>
     <p:extLst>
       <p:ext uri="{BB962C8B-B14F-4D97-AF65-F5344CB8AC3E}">
